--- a/hlv-asset-system/dist/pptx/reframing-process-flow.pptx
+++ b/hlv-asset-system/dist/pptx/reframing-process-flow.pptx
@@ -876,908 +876,6 @@
         </p:nvSpPr>
         <p:spPr>
           <a:xfrm>
-            <a:off x="457200" y="274320"/>
-            <a:ext cx="8229600" cy="548640"/>
-          </a:xfrm>
-          <a:prstGeom prst="rect">
-            <a:avLst/>
-          </a:prstGeom>
-          <a:noFill/>
-          <a:ln/>
-        </p:spPr>
-        <p:txBody>
-          <a:bodyPr wrap="square" rtlCol="0" anchor="ctr"/>
-          <a:lstStyle/>
-          <a:p>
-            <a:pPr algn="ctr" indent="0" marL="0">
-              <a:buNone/>
-            </a:pPr>
-            <a:r>
-              <a:rPr lang="en-US" sz="2400" b="1" dirty="0">
-                <a:solidFill>
-                  <a:srgbClr val="182D53"/>
-                </a:solidFill>
-                <a:latin typeface="Manrope" pitchFamily="34" charset="0"/>
-                <a:ea typeface="Manrope" pitchFamily="34" charset="-122"/>
-                <a:cs typeface="Manrope" pitchFamily="34" charset="-120"/>
-              </a:rPr>
-              <a:t>Two Paths to Solutions</a:t>
-            </a:r>
-            <a:endParaRPr lang="en-US" sz="2400" dirty="0"/>
-          </a:p>
-        </p:txBody>
-      </p:sp>
-      <p:sp>
-        <p:nvSpPr>
-          <p:cNvPr id="3" name="Shape 1"/>
-          <p:cNvSpPr/>
-          <p:nvPr/>
-        </p:nvSpPr>
-        <p:spPr>
-          <a:xfrm>
-            <a:off x="228600" y="571500"/>
-            <a:ext cx="2438400" cy="228600"/>
-          </a:xfrm>
-          <a:prstGeom prst="roundRect">
-            <a:avLst>
-              <a:gd name="adj" fmla="val 20000"/>
-            </a:avLst>
-          </a:prstGeom>
-          <a:solidFill>
-            <a:srgbClr val="FEF2F2"/>
-          </a:solidFill>
-          <a:ln w="25400">
-            <a:solidFill>
-              <a:srgbClr val="EF4444"/>
-            </a:solidFill>
-            <a:prstDash val="solid"/>
-          </a:ln>
-        </p:spPr>
-      </p:sp>
-      <p:sp>
-        <p:nvSpPr>
-          <p:cNvPr id="4" name="Text 2"/>
-          <p:cNvSpPr/>
-          <p:nvPr/>
-        </p:nvSpPr>
-        <p:spPr>
-          <a:xfrm>
-            <a:off x="228600" y="571500"/>
-            <a:ext cx="2438400" cy="228600"/>
-          </a:xfrm>
-          <a:prstGeom prst="rect">
-            <a:avLst/>
-          </a:prstGeom>
-          <a:noFill/>
-          <a:ln/>
-        </p:spPr>
-        <p:txBody>
-          <a:bodyPr wrap="square" rtlCol="0" anchor="ctr"/>
-          <a:lstStyle/>
-          <a:p>
-            <a:pPr algn="ctr" indent="0" marL="0">
-              <a:buNone/>
-            </a:pPr>
-            <a:r>
-              <a:rPr lang="en-US" sz="1400" b="1" dirty="0">
-                <a:solidFill>
-                  <a:srgbClr val="374151"/>
-                </a:solidFill>
-                <a:latin typeface="Manrope" pitchFamily="34" charset="0"/>
-                <a:ea typeface="Manrope" pitchFamily="34" charset="-122"/>
-                <a:cs typeface="Manrope" pitchFamily="34" charset="-120"/>
-              </a:rPr>
-              <a:t>The Direct Path</a:t>
-            </a:r>
-            <a:endParaRPr lang="en-US" sz="1400" dirty="0"/>
-          </a:p>
-        </p:txBody>
-      </p:sp>
-      <p:sp>
-        <p:nvSpPr>
-          <p:cNvPr id="5" name="Shape 3"/>
-          <p:cNvSpPr/>
-          <p:nvPr/>
-        </p:nvSpPr>
-        <p:spPr>
-          <a:xfrm>
-            <a:off x="228600" y="952500"/>
-            <a:ext cx="762000" cy="381000"/>
-          </a:xfrm>
-          <a:prstGeom prst="roundRect">
-            <a:avLst>
-              <a:gd name="adj" fmla="val 12000"/>
-            </a:avLst>
-          </a:prstGeom>
-          <a:solidFill>
-            <a:srgbClr val="FFFFFF"/>
-          </a:solidFill>
-          <a:ln w="12700">
-            <a:solidFill>
-              <a:srgbClr val="D1D5DB"/>
-            </a:solidFill>
-            <a:prstDash val="solid"/>
-          </a:ln>
-        </p:spPr>
-      </p:sp>
-      <p:sp>
-        <p:nvSpPr>
-          <p:cNvPr id="6" name="Text 4"/>
-          <p:cNvSpPr/>
-          <p:nvPr/>
-        </p:nvSpPr>
-        <p:spPr>
-          <a:xfrm>
-            <a:off x="228600" y="952500"/>
-            <a:ext cx="762000" cy="381000"/>
-          </a:xfrm>
-          <a:prstGeom prst="rect">
-            <a:avLst/>
-          </a:prstGeom>
-          <a:noFill/>
-          <a:ln/>
-        </p:spPr>
-        <p:txBody>
-          <a:bodyPr wrap="square" rtlCol="0" anchor="ctr"/>
-          <a:lstStyle/>
-          <a:p>
-            <a:pPr algn="ctr" indent="0" marL="0">
-              <a:buNone/>
-            </a:pPr>
-            <a:r>
-              <a:rPr lang="en-US" sz="1100" b="1" dirty="0">
-                <a:solidFill>
-                  <a:srgbClr val="374151"/>
-                </a:solidFill>
-                <a:latin typeface="Manrope" pitchFamily="34" charset="0"/>
-                <a:ea typeface="Manrope" pitchFamily="34" charset="-122"/>
-                <a:cs typeface="Manrope" pitchFamily="34" charset="-120"/>
-              </a:rPr>
-              <a:t>Problem</a:t>
-            </a:r>
-            <a:endParaRPr lang="en-US" sz="1100" dirty="0"/>
-          </a:p>
-        </p:txBody>
-      </p:sp>
-      <p:sp>
-        <p:nvSpPr>
-          <p:cNvPr id="7" name="Shape 5"/>
-          <p:cNvSpPr/>
-          <p:nvPr/>
-        </p:nvSpPr>
-        <p:spPr>
-          <a:xfrm>
-            <a:off x="990600" y="1143000"/>
-            <a:ext cx="890587" cy="0"/>
-          </a:xfrm>
-          <a:prstGeom prst="line">
-            <a:avLst/>
-          </a:prstGeom>
-          <a:noFill/>
-          <a:ln w="25400">
-            <a:solidFill>
-              <a:srgbClr val="182D53"/>
-            </a:solidFill>
-            <a:prstDash val="solid"/>
-            <a:tailEnd type="triangle"/>
-          </a:ln>
-        </p:spPr>
-      </p:sp>
-      <p:sp>
-        <p:nvSpPr>
-          <p:cNvPr id="8" name="Shape 6"/>
-          <p:cNvSpPr/>
-          <p:nvPr/>
-        </p:nvSpPr>
-        <p:spPr>
-          <a:xfrm>
-            <a:off x="1905000" y="952500"/>
-            <a:ext cx="762000" cy="381000"/>
-          </a:xfrm>
-          <a:prstGeom prst="roundRect">
-            <a:avLst>
-              <a:gd name="adj" fmla="val 12000"/>
-            </a:avLst>
-          </a:prstGeom>
-          <a:solidFill>
-            <a:srgbClr val="F3F4F6"/>
-          </a:solidFill>
-          <a:ln/>
-        </p:spPr>
-      </p:sp>
-      <p:sp>
-        <p:nvSpPr>
-          <p:cNvPr id="9" name="Text 7"/>
-          <p:cNvSpPr/>
-          <p:nvPr/>
-        </p:nvSpPr>
-        <p:spPr>
-          <a:xfrm>
-            <a:off x="1905000" y="952500"/>
-            <a:ext cx="762000" cy="381000"/>
-          </a:xfrm>
-          <a:prstGeom prst="rect">
-            <a:avLst/>
-          </a:prstGeom>
-          <a:noFill/>
-          <a:ln/>
-        </p:spPr>
-        <p:txBody>
-          <a:bodyPr wrap="square" rtlCol="0" anchor="ctr"/>
-          <a:lstStyle/>
-          <a:p>
-            <a:pPr algn="ctr" indent="0" marL="0">
-              <a:buNone/>
-            </a:pPr>
-            <a:r>
-              <a:rPr lang="en-US" sz="1100" b="1" dirty="0">
-                <a:solidFill>
-                  <a:srgbClr val="6B7280"/>
-                </a:solidFill>
-                <a:latin typeface="Manrope" pitchFamily="34" charset="0"/>
-                <a:ea typeface="Manrope" pitchFamily="34" charset="-122"/>
-                <a:cs typeface="Manrope" pitchFamily="34" charset="-120"/>
-              </a:rPr>
-              <a:t>Solution</a:t>
-            </a:r>
-            <a:endParaRPr lang="en-US" sz="1100" dirty="0"/>
-          </a:p>
-        </p:txBody>
-      </p:sp>
-      <p:sp>
-        <p:nvSpPr>
-          <p:cNvPr id="10" name="Text 8"/>
-          <p:cNvSpPr/>
-          <p:nvPr/>
-        </p:nvSpPr>
-        <p:spPr>
-          <a:xfrm>
-            <a:off x="228600" y="1428750"/>
-            <a:ext cx="2438400" cy="274320"/>
-          </a:xfrm>
-          <a:prstGeom prst="rect">
-            <a:avLst/>
-          </a:prstGeom>
-          <a:noFill/>
-          <a:ln/>
-        </p:spPr>
-        <p:txBody>
-          <a:bodyPr wrap="square" rtlCol="0" anchor="ctr"/>
-          <a:lstStyle/>
-          <a:p>
-            <a:pPr algn="ctr" indent="0" marL="0">
-              <a:buNone/>
-            </a:pPr>
-            <a:r>
-              <a:rPr lang="en-US" sz="1000" i="1" dirty="0">
-                <a:solidFill>
-                  <a:srgbClr val="6B7280"/>
-                </a:solidFill>
-                <a:latin typeface="Manrope" pitchFamily="34" charset="0"/>
-                <a:ea typeface="Manrope" pitchFamily="34" charset="-122"/>
-                <a:cs typeface="Manrope" pitchFamily="34" charset="-120"/>
-              </a:rPr>
-              <a:t>Solves the wrong problem well</a:t>
-            </a:r>
-            <a:endParaRPr lang="en-US" sz="1000" dirty="0"/>
-          </a:p>
-        </p:txBody>
-      </p:sp>
-      <p:sp>
-        <p:nvSpPr>
-          <p:cNvPr id="11" name="Shape 9"/>
-          <p:cNvSpPr/>
-          <p:nvPr/>
-        </p:nvSpPr>
-        <p:spPr>
-          <a:xfrm>
-            <a:off x="3048000" y="571500"/>
-            <a:ext cx="2438400" cy="228600"/>
-          </a:xfrm>
-          <a:prstGeom prst="roundRect">
-            <a:avLst>
-              <a:gd name="adj" fmla="val 20000"/>
-            </a:avLst>
-          </a:prstGeom>
-          <a:solidFill>
-            <a:srgbClr val="ECFDF5"/>
-          </a:solidFill>
-          <a:ln w="25400">
-            <a:solidFill>
-              <a:srgbClr val="10B981"/>
-            </a:solidFill>
-            <a:prstDash val="solid"/>
-          </a:ln>
-        </p:spPr>
-      </p:sp>
-      <p:sp>
-        <p:nvSpPr>
-          <p:cNvPr id="12" name="Text 10"/>
-          <p:cNvSpPr/>
-          <p:nvPr/>
-        </p:nvSpPr>
-        <p:spPr>
-          <a:xfrm>
-            <a:off x="3048000" y="571500"/>
-            <a:ext cx="2438400" cy="228600"/>
-          </a:xfrm>
-          <a:prstGeom prst="rect">
-            <a:avLst/>
-          </a:prstGeom>
-          <a:noFill/>
-          <a:ln/>
-        </p:spPr>
-        <p:txBody>
-          <a:bodyPr wrap="square" rtlCol="0" anchor="ctr"/>
-          <a:lstStyle/>
-          <a:p>
-            <a:pPr algn="ctr" indent="0" marL="0">
-              <a:buNone/>
-            </a:pPr>
-            <a:r>
-              <a:rPr lang="en-US" sz="1400" b="1" dirty="0">
-                <a:solidFill>
-                  <a:srgbClr val="374151"/>
-                </a:solidFill>
-                <a:latin typeface="Manrope" pitchFamily="34" charset="0"/>
-                <a:ea typeface="Manrope" pitchFamily="34" charset="-122"/>
-                <a:cs typeface="Manrope" pitchFamily="34" charset="-120"/>
-              </a:rPr>
-              <a:t>The Reframing Path</a:t>
-            </a:r>
-            <a:endParaRPr lang="en-US" sz="1400" dirty="0"/>
-          </a:p>
-        </p:txBody>
-      </p:sp>
-      <p:sp>
-        <p:nvSpPr>
-          <p:cNvPr id="13" name="Shape 11"/>
-          <p:cNvSpPr/>
-          <p:nvPr/>
-        </p:nvSpPr>
-        <p:spPr>
-          <a:xfrm>
-            <a:off x="3052763" y="952500"/>
-            <a:ext cx="409575" cy="381000"/>
-          </a:xfrm>
-          <a:prstGeom prst="roundRect">
-            <a:avLst>
-              <a:gd name="adj" fmla="val 22326"/>
-            </a:avLst>
-          </a:prstGeom>
-          <a:solidFill>
-            <a:srgbClr val="FFFFFF"/>
-          </a:solidFill>
-          <a:ln w="12700">
-            <a:solidFill>
-              <a:srgbClr val="D1D5DB"/>
-            </a:solidFill>
-            <a:prstDash val="solid"/>
-          </a:ln>
-        </p:spPr>
-      </p:sp>
-      <p:sp>
-        <p:nvSpPr>
-          <p:cNvPr id="14" name="Text 12"/>
-          <p:cNvSpPr/>
-          <p:nvPr/>
-        </p:nvSpPr>
-        <p:spPr>
-          <a:xfrm>
-            <a:off x="3052763" y="952500"/>
-            <a:ext cx="409575" cy="381000"/>
-          </a:xfrm>
-          <a:prstGeom prst="rect">
-            <a:avLst/>
-          </a:prstGeom>
-          <a:noFill/>
-          <a:ln/>
-        </p:spPr>
-        <p:txBody>
-          <a:bodyPr wrap="square" rtlCol="0" anchor="ctr"/>
-          <a:lstStyle/>
-          <a:p>
-            <a:pPr algn="ctr" indent="0" marL="0">
-              <a:buNone/>
-            </a:pPr>
-            <a:r>
-              <a:rPr lang="en-US" sz="1100" b="1" dirty="0">
-                <a:solidFill>
-                  <a:srgbClr val="374151"/>
-                </a:solidFill>
-                <a:latin typeface="Manrope" pitchFamily="34" charset="0"/>
-                <a:ea typeface="Manrope" pitchFamily="34" charset="-122"/>
-                <a:cs typeface="Manrope" pitchFamily="34" charset="-120"/>
-              </a:rPr>
-              <a:t>Problem</a:t>
-            </a:r>
-            <a:endParaRPr lang="en-US" sz="1100" dirty="0"/>
-          </a:p>
-        </p:txBody>
-      </p:sp>
-      <p:sp>
-        <p:nvSpPr>
-          <p:cNvPr id="15" name="Shape 13"/>
-          <p:cNvSpPr/>
-          <p:nvPr/>
-        </p:nvSpPr>
-        <p:spPr>
-          <a:xfrm>
-            <a:off x="3462337" y="1143000"/>
-            <a:ext cx="71438" cy="0"/>
-          </a:xfrm>
-          <a:prstGeom prst="line">
-            <a:avLst/>
-          </a:prstGeom>
-          <a:noFill/>
-          <a:ln w="25400">
-            <a:solidFill>
-              <a:srgbClr val="182D53"/>
-            </a:solidFill>
-            <a:prstDash val="solid"/>
-            <a:tailEnd type="triangle"/>
-          </a:ln>
-        </p:spPr>
-      </p:sp>
-      <p:sp>
-        <p:nvSpPr>
-          <p:cNvPr id="16" name="Shape 14"/>
-          <p:cNvSpPr/>
-          <p:nvPr/>
-        </p:nvSpPr>
-        <p:spPr>
-          <a:xfrm>
-            <a:off x="3557588" y="952500"/>
-            <a:ext cx="409575" cy="381000"/>
-          </a:xfrm>
-          <a:prstGeom prst="roundRect">
-            <a:avLst>
-              <a:gd name="adj" fmla="val 22326"/>
-            </a:avLst>
-          </a:prstGeom>
-          <a:solidFill>
-            <a:srgbClr val="ECFDF5"/>
-          </a:solidFill>
-          <a:ln w="25400">
-            <a:solidFill>
-              <a:srgbClr val="00D866"/>
-            </a:solidFill>
-            <a:prstDash val="solid"/>
-          </a:ln>
-        </p:spPr>
-      </p:sp>
-      <p:sp>
-        <p:nvSpPr>
-          <p:cNvPr id="17" name="Text 15"/>
-          <p:cNvSpPr/>
-          <p:nvPr/>
-        </p:nvSpPr>
-        <p:spPr>
-          <a:xfrm>
-            <a:off x="3557588" y="952500"/>
-            <a:ext cx="409575" cy="381000"/>
-          </a:xfrm>
-          <a:prstGeom prst="rect">
-            <a:avLst/>
-          </a:prstGeom>
-          <a:noFill/>
-          <a:ln/>
-        </p:spPr>
-        <p:txBody>
-          <a:bodyPr wrap="square" rtlCol="0" anchor="ctr"/>
-          <a:lstStyle/>
-          <a:p>
-            <a:pPr algn="ctr" indent="0" marL="0">
-              <a:buNone/>
-            </a:pPr>
-            <a:r>
-              <a:rPr lang="en-US" sz="1100" b="1" dirty="0">
-                <a:solidFill>
-                  <a:srgbClr val="374151"/>
-                </a:solidFill>
-                <a:latin typeface="Manrope" pitchFamily="34" charset="0"/>
-                <a:ea typeface="Manrope" pitchFamily="34" charset="-122"/>
-                <a:cs typeface="Manrope" pitchFamily="34" charset="-120"/>
-              </a:rPr>
-              <a:t>Reframe</a:t>
-            </a:r>
-            <a:endParaRPr lang="en-US" sz="1100" dirty="0"/>
-          </a:p>
-        </p:txBody>
-      </p:sp>
-      <p:sp>
-        <p:nvSpPr>
-          <p:cNvPr id="18" name="Shape 16"/>
-          <p:cNvSpPr/>
-          <p:nvPr/>
-        </p:nvSpPr>
-        <p:spPr>
-          <a:xfrm>
-            <a:off x="3967162" y="1143000"/>
-            <a:ext cx="71438" cy="0"/>
-          </a:xfrm>
-          <a:prstGeom prst="line">
-            <a:avLst/>
-          </a:prstGeom>
-          <a:noFill/>
-          <a:ln w="25400">
-            <a:solidFill>
-              <a:srgbClr val="00D866"/>
-            </a:solidFill>
-            <a:prstDash val="solid"/>
-            <a:tailEnd type="triangle"/>
-          </a:ln>
-        </p:spPr>
-      </p:sp>
-      <p:sp>
-        <p:nvSpPr>
-          <p:cNvPr id="19" name="Shape 17"/>
-          <p:cNvSpPr/>
-          <p:nvPr/>
-        </p:nvSpPr>
-        <p:spPr>
-          <a:xfrm>
-            <a:off x="4062412" y="952500"/>
-            <a:ext cx="409575" cy="381000"/>
-          </a:xfrm>
-          <a:prstGeom prst="roundRect">
-            <a:avLst>
-              <a:gd name="adj" fmla="val 22326"/>
-            </a:avLst>
-          </a:prstGeom>
-          <a:solidFill>
-            <a:srgbClr val="ECFDF5"/>
-          </a:solidFill>
-          <a:ln w="25400">
-            <a:solidFill>
-              <a:srgbClr val="00D866"/>
-            </a:solidFill>
-            <a:prstDash val="solid"/>
-          </a:ln>
-        </p:spPr>
-      </p:sp>
-      <p:sp>
-        <p:nvSpPr>
-          <p:cNvPr id="20" name="Text 18"/>
-          <p:cNvSpPr/>
-          <p:nvPr/>
-        </p:nvSpPr>
-        <p:spPr>
-          <a:xfrm>
-            <a:off x="4062412" y="952500"/>
-            <a:ext cx="409575" cy="381000"/>
-          </a:xfrm>
-          <a:prstGeom prst="rect">
-            <a:avLst/>
-          </a:prstGeom>
-          <a:noFill/>
-          <a:ln/>
-        </p:spPr>
-        <p:txBody>
-          <a:bodyPr wrap="square" rtlCol="0" anchor="ctr"/>
-          <a:lstStyle/>
-          <a:p>
-            <a:pPr algn="ctr" indent="0" marL="0">
-              <a:buNone/>
-            </a:pPr>
-            <a:r>
-              <a:rPr lang="en-US" sz="1100" b="1" dirty="0">
-                <a:solidFill>
-                  <a:srgbClr val="374151"/>
-                </a:solidFill>
-                <a:latin typeface="Manrope" pitchFamily="34" charset="0"/>
-                <a:ea typeface="Manrope" pitchFamily="34" charset="-122"/>
-                <a:cs typeface="Manrope" pitchFamily="34" charset="-120"/>
-              </a:rPr>
-              <a:t>Reframe</a:t>
-            </a:r>
-            <a:endParaRPr lang="en-US" sz="1100" dirty="0"/>
-          </a:p>
-        </p:txBody>
-      </p:sp>
-      <p:sp>
-        <p:nvSpPr>
-          <p:cNvPr id="21" name="Shape 19"/>
-          <p:cNvSpPr/>
-          <p:nvPr/>
-        </p:nvSpPr>
-        <p:spPr>
-          <a:xfrm>
-            <a:off x="4471988" y="1143000"/>
-            <a:ext cx="71438" cy="0"/>
-          </a:xfrm>
-          <a:prstGeom prst="line">
-            <a:avLst/>
-          </a:prstGeom>
-          <a:noFill/>
-          <a:ln w="25400">
-            <a:solidFill>
-              <a:srgbClr val="00D866"/>
-            </a:solidFill>
-            <a:prstDash val="solid"/>
-            <a:tailEnd type="triangle"/>
-          </a:ln>
-        </p:spPr>
-      </p:sp>
-      <p:sp>
-        <p:nvSpPr>
-          <p:cNvPr id="22" name="Shape 20"/>
-          <p:cNvSpPr/>
-          <p:nvPr/>
-        </p:nvSpPr>
-        <p:spPr>
-          <a:xfrm>
-            <a:off x="4567237" y="952500"/>
-            <a:ext cx="409575" cy="381000"/>
-          </a:xfrm>
-          <a:prstGeom prst="roundRect">
-            <a:avLst>
-              <a:gd name="adj" fmla="val 22326"/>
-            </a:avLst>
-          </a:prstGeom>
-          <a:solidFill>
-            <a:srgbClr val="182D53"/>
-          </a:solidFill>
-          <a:ln/>
-        </p:spPr>
-      </p:sp>
-      <p:sp>
-        <p:nvSpPr>
-          <p:cNvPr id="23" name="Text 21"/>
-          <p:cNvSpPr/>
-          <p:nvPr/>
-        </p:nvSpPr>
-        <p:spPr>
-          <a:xfrm>
-            <a:off x="4567237" y="952500"/>
-            <a:ext cx="409575" cy="381000"/>
-          </a:xfrm>
-          <a:prstGeom prst="rect">
-            <a:avLst/>
-          </a:prstGeom>
-          <a:noFill/>
-          <a:ln/>
-        </p:spPr>
-        <p:txBody>
-          <a:bodyPr wrap="square" rtlCol="0" anchor="ctr"/>
-          <a:lstStyle/>
-          <a:p>
-            <a:pPr algn="ctr" indent="0" marL="0">
-              <a:buNone/>
-            </a:pPr>
-            <a:r>
-              <a:rPr lang="en-US" sz="1100" b="1" dirty="0">
-                <a:solidFill>
-                  <a:srgbClr val="FFFFFF"/>
-                </a:solidFill>
-                <a:latin typeface="Manrope" pitchFamily="34" charset="0"/>
-                <a:ea typeface="Manrope" pitchFamily="34" charset="-122"/>
-                <a:cs typeface="Manrope" pitchFamily="34" charset="-120"/>
-              </a:rPr>
-              <a:t>Better</a:t>
-            </a:r>
-            <a:endParaRPr lang="en-US" sz="1100" dirty="0"/>
-          </a:p>
-          <a:p>
-            <a:pPr algn="ctr" indent="0" marL="0">
-              <a:buNone/>
-            </a:pPr>
-            <a:r>
-              <a:rPr lang="en-US" sz="1100" b="1" dirty="0">
-                <a:solidFill>
-                  <a:srgbClr val="FFFFFF"/>
-                </a:solidFill>
-                <a:latin typeface="Manrope" pitchFamily="34" charset="0"/>
-                <a:ea typeface="Manrope" pitchFamily="34" charset="-122"/>
-                <a:cs typeface="Manrope" pitchFamily="34" charset="-120"/>
-              </a:rPr>
-              <a:t>Problem</a:t>
-            </a:r>
-            <a:endParaRPr lang="en-US" sz="1100" dirty="0"/>
-          </a:p>
-        </p:txBody>
-      </p:sp>
-      <p:sp>
-        <p:nvSpPr>
-          <p:cNvPr id="24" name="Shape 22"/>
-          <p:cNvSpPr/>
-          <p:nvPr/>
-        </p:nvSpPr>
-        <p:spPr>
-          <a:xfrm>
-            <a:off x="4976813" y="1143000"/>
-            <a:ext cx="71438" cy="0"/>
-          </a:xfrm>
-          <a:prstGeom prst="line">
-            <a:avLst/>
-          </a:prstGeom>
-          <a:noFill/>
-          <a:ln w="25400">
-            <a:solidFill>
-              <a:srgbClr val="182D53"/>
-            </a:solidFill>
-            <a:prstDash val="solid"/>
-            <a:tailEnd type="triangle"/>
-          </a:ln>
-        </p:spPr>
-      </p:sp>
-      <p:sp>
-        <p:nvSpPr>
-          <p:cNvPr id="25" name="Shape 23"/>
-          <p:cNvSpPr/>
-          <p:nvPr/>
-        </p:nvSpPr>
-        <p:spPr>
-          <a:xfrm>
-            <a:off x="5072063" y="952500"/>
-            <a:ext cx="409575" cy="381000"/>
-          </a:xfrm>
-          <a:prstGeom prst="roundRect">
-            <a:avLst>
-              <a:gd name="adj" fmla="val 22326"/>
-            </a:avLst>
-          </a:prstGeom>
-          <a:solidFill>
-            <a:srgbClr val="ECFDF5"/>
-          </a:solidFill>
-          <a:ln w="12700">
-            <a:solidFill>
-              <a:srgbClr val="10B981"/>
-            </a:solidFill>
-            <a:prstDash val="solid"/>
-          </a:ln>
-        </p:spPr>
-      </p:sp>
-      <p:sp>
-        <p:nvSpPr>
-          <p:cNvPr id="26" name="Text 24"/>
-          <p:cNvSpPr/>
-          <p:nvPr/>
-        </p:nvSpPr>
-        <p:spPr>
-          <a:xfrm>
-            <a:off x="5072063" y="952500"/>
-            <a:ext cx="409575" cy="381000"/>
-          </a:xfrm>
-          <a:prstGeom prst="rect">
-            <a:avLst/>
-          </a:prstGeom>
-          <a:noFill/>
-          <a:ln/>
-        </p:spPr>
-        <p:txBody>
-          <a:bodyPr wrap="square" rtlCol="0" anchor="ctr"/>
-          <a:lstStyle/>
-          <a:p>
-            <a:pPr algn="ctr" indent="0" marL="0">
-              <a:buNone/>
-            </a:pPr>
-            <a:r>
-              <a:rPr lang="en-US" sz="1100" b="1" dirty="0">
-                <a:solidFill>
-                  <a:srgbClr val="374151"/>
-                </a:solidFill>
-                <a:latin typeface="Manrope" pitchFamily="34" charset="0"/>
-                <a:ea typeface="Manrope" pitchFamily="34" charset="-122"/>
-                <a:cs typeface="Manrope" pitchFamily="34" charset="-120"/>
-              </a:rPr>
-              <a:t>Solution</a:t>
-            </a:r>
-            <a:endParaRPr lang="en-US" sz="1100" dirty="0"/>
-          </a:p>
-        </p:txBody>
-      </p:sp>
-      <p:sp>
-        <p:nvSpPr>
-          <p:cNvPr id="27" name="Text 25"/>
-          <p:cNvSpPr/>
-          <p:nvPr/>
-        </p:nvSpPr>
-        <p:spPr>
-          <a:xfrm>
-            <a:off x="3048000" y="1428750"/>
-            <a:ext cx="2438400" cy="274320"/>
-          </a:xfrm>
-          <a:prstGeom prst="rect">
-            <a:avLst/>
-          </a:prstGeom>
-          <a:noFill/>
-          <a:ln/>
-        </p:spPr>
-        <p:txBody>
-          <a:bodyPr wrap="square" rtlCol="0" anchor="ctr"/>
-          <a:lstStyle/>
-          <a:p>
-            <a:pPr algn="ctr" indent="0" marL="0">
-              <a:buNone/>
-            </a:pPr>
-            <a:r>
-              <a:rPr lang="en-US" sz="1000" i="1" dirty="0">
-                <a:solidFill>
-                  <a:srgbClr val="6B7280"/>
-                </a:solidFill>
-                <a:latin typeface="Manrope" pitchFamily="34" charset="0"/>
-                <a:ea typeface="Manrope" pitchFamily="34" charset="-122"/>
-                <a:cs typeface="Manrope" pitchFamily="34" charset="-120"/>
-              </a:rPr>
-              <a:t>Finds the right problem first</a:t>
-            </a:r>
-            <a:endParaRPr lang="en-US" sz="1000" dirty="0"/>
-          </a:p>
-        </p:txBody>
-      </p:sp>
-      <p:sp>
-        <p:nvSpPr>
-          <p:cNvPr id="28" name="Shape 26"/>
-          <p:cNvSpPr/>
-          <p:nvPr/>
-        </p:nvSpPr>
-        <p:spPr>
-          <a:xfrm>
-            <a:off x="2743200" y="1028700"/>
-            <a:ext cx="228600" cy="228600"/>
-          </a:xfrm>
-          <a:prstGeom prst="ellipse">
-            <a:avLst/>
-          </a:prstGeom>
-          <a:solidFill>
-            <a:srgbClr val="F3F4F6"/>
-          </a:solidFill>
-          <a:ln w="25400">
-            <a:solidFill>
-              <a:srgbClr val="D1D5DB"/>
-            </a:solidFill>
-            <a:prstDash val="solid"/>
-          </a:ln>
-        </p:spPr>
-      </p:sp>
-      <p:sp>
-        <p:nvSpPr>
-          <p:cNvPr id="29" name="Text 27"/>
-          <p:cNvSpPr/>
-          <p:nvPr/>
-        </p:nvSpPr>
-        <p:spPr>
-          <a:xfrm>
-            <a:off x="2743200" y="1085850"/>
-            <a:ext cx="228600" cy="114300"/>
-          </a:xfrm>
-          <a:prstGeom prst="rect">
-            <a:avLst/>
-          </a:prstGeom>
-          <a:noFill/>
-          <a:ln/>
-        </p:spPr>
-        <p:txBody>
-          <a:bodyPr wrap="square" rtlCol="0" anchor="ctr"/>
-          <a:lstStyle/>
-          <a:p>
-            <a:pPr algn="ctr" indent="0" marL="0">
-              <a:buNone/>
-            </a:pPr>
-            <a:r>
-              <a:rPr lang="en-US" sz="1100" b="1" dirty="0">
-                <a:solidFill>
-                  <a:srgbClr val="6B7280"/>
-                </a:solidFill>
-                <a:latin typeface="Manrope" pitchFamily="34" charset="0"/>
-                <a:ea typeface="Manrope" pitchFamily="34" charset="-122"/>
-                <a:cs typeface="Manrope" pitchFamily="34" charset="-120"/>
-              </a:rPr>
-              <a:t>vs</a:t>
-            </a:r>
-            <a:endParaRPr lang="en-US" sz="1100" dirty="0"/>
-          </a:p>
-        </p:txBody>
-      </p:sp>
-      <p:sp>
-        <p:nvSpPr>
-          <p:cNvPr id="30" name="Text 28"/>
-          <p:cNvSpPr/>
-          <p:nvPr/>
-        </p:nvSpPr>
-        <p:spPr>
-          <a:xfrm>
             <a:off x="0" y="2667000"/>
             <a:ext cx="5715000" cy="274320"/>
           </a:xfrm>

--- a/hlv-asset-system/dist/pptx/reframing-process-flow.pptx
+++ b/hlv-asset-system/dist/pptx/reframing-process-flow.pptx
@@ -895,7 +895,7 @@
             <a:r>
               <a:rPr lang="en-US" sz="900" dirty="0">
                 <a:solidFill>
-                  <a:srgbClr val="00D866"/>
+                  <a:srgbClr val="000000"/>
                 </a:solidFill>
                 <a:latin typeface="Manrope" pitchFamily="34" charset="0"/>
                 <a:ea typeface="Manrope" pitchFamily="34" charset="-122"/>
